--- a/Day_9_Training.pptx
+++ b/Day_9_Training.pptx
@@ -5,7 +5,7 @@
     <p:sldMasterId id="2147483648" r:id="rId1"/>
   </p:sldMasterIdLst>
   <p:notesMasterIdLst>
-    <p:notesMasterId r:id="rId11"/>
+    <p:notesMasterId r:id="rId15"/>
   </p:notesMasterIdLst>
   <p:sldIdLst>
     <p:sldId id="330" r:id="rId2"/>
@@ -15,8 +15,12 @@
     <p:sldId id="321" r:id="rId6"/>
     <p:sldId id="322" r:id="rId7"/>
     <p:sldId id="332" r:id="rId8"/>
-    <p:sldId id="328" r:id="rId9"/>
-    <p:sldId id="329" r:id="rId10"/>
+    <p:sldId id="329" r:id="rId9"/>
+    <p:sldId id="328" r:id="rId10"/>
+    <p:sldId id="333" r:id="rId11"/>
+    <p:sldId id="334" r:id="rId12"/>
+    <p:sldId id="335" r:id="rId13"/>
+    <p:sldId id="336" r:id="rId14"/>
   </p:sldIdLst>
   <p:sldSz cx="12192000" cy="6858000"/>
   <p:notesSz cx="6858000" cy="9144000"/>
@@ -117,7 +121,7 @@
   </p:defaultTextStyle>
   <p:extLst>
     <p:ext uri="{EFAFB233-063F-42B5-8137-9DF3F51BA10A}">
-      <p15:sldGuideLst xmlns:p15="http://schemas.microsoft.com/office/powerpoint/2012/main">
+      <p15:sldGuideLst xmlns:p15="http://schemas.microsoft.com/office/powerpoint/2012/main" xmlns="">
         <p15:guide id="1" orient="horz" pos="2160">
           <p15:clr>
             <a:srgbClr val="A4A3A4"/>
@@ -217,7 +221,7 @@
             <a:fld id="{2DFA8FBC-D085-4302-8AB4-CB22D5B87B17}" type="datetimeFigureOut">
               <a:rPr lang="en-US" smtClean="0"/>
               <a:pPr/>
-              <a:t>7/10/2018</a:t>
+              <a:t>10-Jul-18</a:t>
             </a:fld>
             <a:endParaRPr lang="en-US"/>
           </a:p>
@@ -385,7 +389,7 @@
     </p:spTree>
     <p:extLst>
       <p:ext uri="{BB962C8B-B14F-4D97-AF65-F5344CB8AC3E}">
-        <p14:creationId xmlns:p14="http://schemas.microsoft.com/office/powerpoint/2010/main" val="3868381238"/>
+        <p14:creationId xmlns:p14="http://schemas.microsoft.com/office/powerpoint/2010/main" xmlns="" val="3868381238"/>
       </p:ext>
     </p:extLst>
   </p:cSld>
@@ -615,7 +619,7 @@
             <a:fld id="{635C9E52-7876-4467-B2E3-4E8A0FFE6CA5}" type="datetimeFigureOut">
               <a:rPr lang="en-US" smtClean="0"/>
               <a:pPr/>
-              <a:t>7/10/2018</a:t>
+              <a:t>10-Jul-18</a:t>
             </a:fld>
             <a:endParaRPr lang="en-US"/>
           </a:p>
@@ -667,7 +671,7 @@
     </p:spTree>
     <p:extLst>
       <p:ext uri="{BB962C8B-B14F-4D97-AF65-F5344CB8AC3E}">
-        <p14:creationId xmlns:p14="http://schemas.microsoft.com/office/powerpoint/2010/main" val="3169153744"/>
+        <p14:creationId xmlns:p14="http://schemas.microsoft.com/office/powerpoint/2010/main" xmlns="" val="3169153744"/>
       </p:ext>
     </p:extLst>
   </p:cSld>
@@ -785,7 +789,7 @@
             <a:fld id="{635C9E52-7876-4467-B2E3-4E8A0FFE6CA5}" type="datetimeFigureOut">
               <a:rPr lang="en-US" smtClean="0"/>
               <a:pPr/>
-              <a:t>7/10/2018</a:t>
+              <a:t>10-Jul-18</a:t>
             </a:fld>
             <a:endParaRPr lang="en-US"/>
           </a:p>
@@ -837,7 +841,7 @@
     </p:spTree>
     <p:extLst>
       <p:ext uri="{BB962C8B-B14F-4D97-AF65-F5344CB8AC3E}">
-        <p14:creationId xmlns:p14="http://schemas.microsoft.com/office/powerpoint/2010/main" val="1593433582"/>
+        <p14:creationId xmlns:p14="http://schemas.microsoft.com/office/powerpoint/2010/main" xmlns="" val="1593433582"/>
       </p:ext>
     </p:extLst>
   </p:cSld>
@@ -965,7 +969,7 @@
             <a:fld id="{635C9E52-7876-4467-B2E3-4E8A0FFE6CA5}" type="datetimeFigureOut">
               <a:rPr lang="en-US" smtClean="0"/>
               <a:pPr/>
-              <a:t>7/10/2018</a:t>
+              <a:t>10-Jul-18</a:t>
             </a:fld>
             <a:endParaRPr lang="en-US"/>
           </a:p>
@@ -1017,7 +1021,7 @@
     </p:spTree>
     <p:extLst>
       <p:ext uri="{BB962C8B-B14F-4D97-AF65-F5344CB8AC3E}">
-        <p14:creationId xmlns:p14="http://schemas.microsoft.com/office/powerpoint/2010/main" val="2045208562"/>
+        <p14:creationId xmlns:p14="http://schemas.microsoft.com/office/powerpoint/2010/main" xmlns="" val="2045208562"/>
       </p:ext>
     </p:extLst>
   </p:cSld>
@@ -1135,7 +1139,7 @@
             <a:fld id="{635C9E52-7876-4467-B2E3-4E8A0FFE6CA5}" type="datetimeFigureOut">
               <a:rPr lang="en-US" smtClean="0"/>
               <a:pPr/>
-              <a:t>7/10/2018</a:t>
+              <a:t>10-Jul-18</a:t>
             </a:fld>
             <a:endParaRPr lang="en-US"/>
           </a:p>
@@ -1187,7 +1191,7 @@
     </p:spTree>
     <p:extLst>
       <p:ext uri="{BB962C8B-B14F-4D97-AF65-F5344CB8AC3E}">
-        <p14:creationId xmlns:p14="http://schemas.microsoft.com/office/powerpoint/2010/main" val="4062740986"/>
+        <p14:creationId xmlns:p14="http://schemas.microsoft.com/office/powerpoint/2010/main" xmlns="" val="4062740986"/>
       </p:ext>
     </p:extLst>
   </p:cSld>
@@ -1382,7 +1386,7 @@
             <a:fld id="{635C9E52-7876-4467-B2E3-4E8A0FFE6CA5}" type="datetimeFigureOut">
               <a:rPr lang="en-US" smtClean="0"/>
               <a:pPr/>
-              <a:t>7/10/2018</a:t>
+              <a:t>10-Jul-18</a:t>
             </a:fld>
             <a:endParaRPr lang="en-US"/>
           </a:p>
@@ -1434,7 +1438,7 @@
     </p:spTree>
     <p:extLst>
       <p:ext uri="{BB962C8B-B14F-4D97-AF65-F5344CB8AC3E}">
-        <p14:creationId xmlns:p14="http://schemas.microsoft.com/office/powerpoint/2010/main" val="3710308980"/>
+        <p14:creationId xmlns:p14="http://schemas.microsoft.com/office/powerpoint/2010/main" xmlns="" val="3710308980"/>
       </p:ext>
     </p:extLst>
   </p:cSld>
@@ -1613,7 +1617,7 @@
             <a:fld id="{635C9E52-7876-4467-B2E3-4E8A0FFE6CA5}" type="datetimeFigureOut">
               <a:rPr lang="en-US" smtClean="0"/>
               <a:pPr/>
-              <a:t>7/10/2018</a:t>
+              <a:t>10-Jul-18</a:t>
             </a:fld>
             <a:endParaRPr lang="en-US"/>
           </a:p>
@@ -1665,7 +1669,7 @@
     </p:spTree>
     <p:extLst>
       <p:ext uri="{BB962C8B-B14F-4D97-AF65-F5344CB8AC3E}">
-        <p14:creationId xmlns:p14="http://schemas.microsoft.com/office/powerpoint/2010/main" val="999681537"/>
+        <p14:creationId xmlns:p14="http://schemas.microsoft.com/office/powerpoint/2010/main" xmlns="" val="999681537"/>
       </p:ext>
     </p:extLst>
   </p:cSld>
@@ -1979,7 +1983,7 @@
             <a:fld id="{635C9E52-7876-4467-B2E3-4E8A0FFE6CA5}" type="datetimeFigureOut">
               <a:rPr lang="en-US" smtClean="0"/>
               <a:pPr/>
-              <a:t>7/10/2018</a:t>
+              <a:t>10-Jul-18</a:t>
             </a:fld>
             <a:endParaRPr lang="en-US"/>
           </a:p>
@@ -2031,7 +2035,7 @@
     </p:spTree>
     <p:extLst>
       <p:ext uri="{BB962C8B-B14F-4D97-AF65-F5344CB8AC3E}">
-        <p14:creationId xmlns:p14="http://schemas.microsoft.com/office/powerpoint/2010/main" val="2604405924"/>
+        <p14:creationId xmlns:p14="http://schemas.microsoft.com/office/powerpoint/2010/main" xmlns="" val="2604405924"/>
       </p:ext>
     </p:extLst>
   </p:cSld>
@@ -2098,7 +2102,7 @@
             <a:fld id="{635C9E52-7876-4467-B2E3-4E8A0FFE6CA5}" type="datetimeFigureOut">
               <a:rPr lang="en-US" smtClean="0"/>
               <a:pPr/>
-              <a:t>7/10/2018</a:t>
+              <a:t>10-Jul-18</a:t>
             </a:fld>
             <a:endParaRPr lang="en-US"/>
           </a:p>
@@ -2150,7 +2154,7 @@
     </p:spTree>
     <p:extLst>
       <p:ext uri="{BB962C8B-B14F-4D97-AF65-F5344CB8AC3E}">
-        <p14:creationId xmlns:p14="http://schemas.microsoft.com/office/powerpoint/2010/main" val="3598578073"/>
+        <p14:creationId xmlns:p14="http://schemas.microsoft.com/office/powerpoint/2010/main" xmlns="" val="3598578073"/>
       </p:ext>
     </p:extLst>
   </p:cSld>
@@ -2195,7 +2199,7 @@
             <a:fld id="{635C9E52-7876-4467-B2E3-4E8A0FFE6CA5}" type="datetimeFigureOut">
               <a:rPr lang="en-US" smtClean="0"/>
               <a:pPr/>
-              <a:t>7/10/2018</a:t>
+              <a:t>10-Jul-18</a:t>
             </a:fld>
             <a:endParaRPr lang="en-US"/>
           </a:p>
@@ -2247,7 +2251,7 @@
     </p:spTree>
     <p:extLst>
       <p:ext uri="{BB962C8B-B14F-4D97-AF65-F5344CB8AC3E}">
-        <p14:creationId xmlns:p14="http://schemas.microsoft.com/office/powerpoint/2010/main" val="1343340343"/>
+        <p14:creationId xmlns:p14="http://schemas.microsoft.com/office/powerpoint/2010/main" xmlns="" val="1343340343"/>
       </p:ext>
     </p:extLst>
   </p:cSld>
@@ -2472,7 +2476,7 @@
             <a:fld id="{635C9E52-7876-4467-B2E3-4E8A0FFE6CA5}" type="datetimeFigureOut">
               <a:rPr lang="en-US" smtClean="0"/>
               <a:pPr/>
-              <a:t>7/10/2018</a:t>
+              <a:t>10-Jul-18</a:t>
             </a:fld>
             <a:endParaRPr lang="en-US"/>
           </a:p>
@@ -2524,7 +2528,7 @@
     </p:spTree>
     <p:extLst>
       <p:ext uri="{BB962C8B-B14F-4D97-AF65-F5344CB8AC3E}">
-        <p14:creationId xmlns:p14="http://schemas.microsoft.com/office/powerpoint/2010/main" val="366575480"/>
+        <p14:creationId xmlns:p14="http://schemas.microsoft.com/office/powerpoint/2010/main" xmlns="" val="366575480"/>
       </p:ext>
     </p:extLst>
   </p:cSld>
@@ -2726,7 +2730,7 @@
             <a:fld id="{635C9E52-7876-4467-B2E3-4E8A0FFE6CA5}" type="datetimeFigureOut">
               <a:rPr lang="en-US" smtClean="0"/>
               <a:pPr/>
-              <a:t>7/10/2018</a:t>
+              <a:t>10-Jul-18</a:t>
             </a:fld>
             <a:endParaRPr lang="en-US"/>
           </a:p>
@@ -2778,7 +2782,7 @@
     </p:spTree>
     <p:extLst>
       <p:ext uri="{BB962C8B-B14F-4D97-AF65-F5344CB8AC3E}">
-        <p14:creationId xmlns:p14="http://schemas.microsoft.com/office/powerpoint/2010/main" val="3892718129"/>
+        <p14:creationId xmlns:p14="http://schemas.microsoft.com/office/powerpoint/2010/main" xmlns="" val="3892718129"/>
       </p:ext>
     </p:extLst>
   </p:cSld>
@@ -2939,7 +2943,7 @@
             <a:fld id="{635C9E52-7876-4467-B2E3-4E8A0FFE6CA5}" type="datetimeFigureOut">
               <a:rPr lang="en-US" smtClean="0"/>
               <a:pPr/>
-              <a:t>7/10/2018</a:t>
+              <a:t>10-Jul-18</a:t>
             </a:fld>
             <a:endParaRPr lang="en-US"/>
           </a:p>
@@ -3027,7 +3031,7 @@
     </p:spTree>
     <p:extLst>
       <p:ext uri="{BB962C8B-B14F-4D97-AF65-F5344CB8AC3E}">
-        <p14:creationId xmlns:p14="http://schemas.microsoft.com/office/powerpoint/2010/main" val="228264506"/>
+        <p14:creationId xmlns:p14="http://schemas.microsoft.com/office/powerpoint/2010/main" xmlns="" val="228264506"/>
       </p:ext>
     </p:extLst>
   </p:cSld>
@@ -3412,9 +3416,727 @@
     </p:spTree>
     <p:extLst>
       <p:ext uri="{BB962C8B-B14F-4D97-AF65-F5344CB8AC3E}">
-        <p14:creationId xmlns:p14="http://schemas.microsoft.com/office/powerpoint/2010/main" val="1011291382"/>
+        <p14:creationId xmlns:p14="http://schemas.microsoft.com/office/powerpoint/2010/main" xmlns="" val="1011291382"/>
       </p:ext>
     </p:extLst>
+  </p:cSld>
+  <p:clrMapOvr>
+    <a:masterClrMapping/>
+  </p:clrMapOvr>
+</p:sld>
+</file>
+
+<file path=ppt/slides/slide10.xml><?xml version="1.0" encoding="utf-8"?>
+<p:sld xmlns:a="http://schemas.openxmlformats.org/drawingml/2006/main" xmlns:r="http://schemas.openxmlformats.org/officeDocument/2006/relationships" xmlns:p="http://schemas.openxmlformats.org/presentationml/2006/main">
+  <p:cSld>
+    <p:spTree>
+      <p:nvGrpSpPr>
+        <p:cNvPr id="1" name=""/>
+        <p:cNvGrpSpPr/>
+        <p:nvPr/>
+      </p:nvGrpSpPr>
+      <p:grpSpPr>
+        <a:xfrm>
+          <a:off x="0" y="0"/>
+          <a:ext cx="0" cy="0"/>
+          <a:chOff x="0" y="0"/>
+          <a:chExt cx="0" cy="0"/>
+        </a:xfrm>
+      </p:grpSpPr>
+      <p:sp>
+        <p:nvSpPr>
+          <p:cNvPr id="2" name="Title 1"/>
+          <p:cNvSpPr>
+            <a:spLocks noGrp="1"/>
+          </p:cNvSpPr>
+          <p:nvPr>
+            <p:ph type="title"/>
+          </p:nvPr>
+        </p:nvSpPr>
+        <p:spPr/>
+        <p:txBody>
+          <a:bodyPr/>
+          <a:lstStyle/>
+          <a:p>
+            <a:r>
+              <a:rPr lang="en-US" dirty="0" smtClean="0"/>
+              <a:t>Decorator Example-2</a:t>
+            </a:r>
+            <a:endParaRPr lang="en-US" dirty="0"/>
+          </a:p>
+        </p:txBody>
+      </p:sp>
+      <p:sp>
+        <p:nvSpPr>
+          <p:cNvPr id="3" name="Content Placeholder 2"/>
+          <p:cNvSpPr>
+            <a:spLocks noGrp="1"/>
+          </p:cNvSpPr>
+          <p:nvPr>
+            <p:ph idx="1"/>
+          </p:nvPr>
+        </p:nvSpPr>
+        <p:spPr/>
+        <p:txBody>
+          <a:bodyPr/>
+          <a:lstStyle/>
+          <a:p>
+            <a:pPr>
+              <a:buNone/>
+            </a:pPr>
+            <a:r>
+              <a:rPr lang="en-US" dirty="0" smtClean="0"/>
+              <a:t>def temperature(t):</a:t>
+            </a:r>
+          </a:p>
+          <a:p>
+            <a:pPr>
+              <a:buNone/>
+            </a:pPr>
+            <a:r>
+              <a:rPr lang="en-US" dirty="0" smtClean="0"/>
+              <a:t>    def celsius2fahrenheit(x):</a:t>
+            </a:r>
+          </a:p>
+          <a:p>
+            <a:pPr>
+              <a:buNone/>
+            </a:pPr>
+            <a:r>
+              <a:rPr lang="en-US" dirty="0" smtClean="0"/>
+              <a:t>        return 9 * x / 5 + 32</a:t>
+            </a:r>
+          </a:p>
+          <a:p>
+            <a:pPr>
+              <a:buNone/>
+            </a:pPr>
+            <a:r>
+              <a:rPr lang="en-US" dirty="0" smtClean="0"/>
+              <a:t> </a:t>
+            </a:r>
+          </a:p>
+          <a:p>
+            <a:pPr>
+              <a:buNone/>
+            </a:pPr>
+            <a:r>
+              <a:rPr lang="en-US" dirty="0" smtClean="0"/>
+              <a:t>    result = "It's " + </a:t>
+            </a:r>
+            <a:r>
+              <a:rPr lang="en-US" dirty="0" err="1" smtClean="0"/>
+              <a:t>str</a:t>
+            </a:r>
+            <a:r>
+              <a:rPr lang="en-US" dirty="0" smtClean="0"/>
+              <a:t>(celsius2fahrenheit(t)) + " degrees!" </a:t>
+            </a:r>
+          </a:p>
+          <a:p>
+            <a:pPr>
+              <a:buNone/>
+            </a:pPr>
+            <a:r>
+              <a:rPr lang="en-US" dirty="0" smtClean="0"/>
+              <a:t>    return result</a:t>
+            </a:r>
+          </a:p>
+          <a:p>
+            <a:pPr>
+              <a:buNone/>
+            </a:pPr>
+            <a:r>
+              <a:rPr lang="en-US" dirty="0" smtClean="0"/>
+              <a:t> </a:t>
+            </a:r>
+          </a:p>
+          <a:p>
+            <a:pPr>
+              <a:buNone/>
+            </a:pPr>
+            <a:r>
+              <a:rPr lang="en-US" dirty="0" smtClean="0"/>
+              <a:t>print(temperature(20))</a:t>
+            </a:r>
+          </a:p>
+          <a:p>
+            <a:endParaRPr lang="en-US" dirty="0"/>
+          </a:p>
+        </p:txBody>
+      </p:sp>
+    </p:spTree>
+  </p:cSld>
+  <p:clrMapOvr>
+    <a:masterClrMapping/>
+  </p:clrMapOvr>
+</p:sld>
+</file>
+
+<file path=ppt/slides/slide11.xml><?xml version="1.0" encoding="utf-8"?>
+<p:sld xmlns:a="http://schemas.openxmlformats.org/drawingml/2006/main" xmlns:r="http://schemas.openxmlformats.org/officeDocument/2006/relationships" xmlns:p="http://schemas.openxmlformats.org/presentationml/2006/main">
+  <p:cSld>
+    <p:spTree>
+      <p:nvGrpSpPr>
+        <p:cNvPr id="1" name=""/>
+        <p:cNvGrpSpPr/>
+        <p:nvPr/>
+      </p:nvGrpSpPr>
+      <p:grpSpPr>
+        <a:xfrm>
+          <a:off x="0" y="0"/>
+          <a:ext cx="0" cy="0"/>
+          <a:chOff x="0" y="0"/>
+          <a:chExt cx="0" cy="0"/>
+        </a:xfrm>
+      </p:grpSpPr>
+      <p:sp>
+        <p:nvSpPr>
+          <p:cNvPr id="2" name="Title 1"/>
+          <p:cNvSpPr>
+            <a:spLocks noGrp="1"/>
+          </p:cNvSpPr>
+          <p:nvPr>
+            <p:ph type="title"/>
+          </p:nvPr>
+        </p:nvSpPr>
+        <p:spPr/>
+        <p:txBody>
+          <a:bodyPr/>
+          <a:lstStyle/>
+          <a:p>
+            <a:r>
+              <a:rPr lang="en-US" dirty="0" smtClean="0"/>
+              <a:t>Decorator – Function as parameter</a:t>
+            </a:r>
+            <a:endParaRPr lang="en-US" dirty="0"/>
+          </a:p>
+        </p:txBody>
+      </p:sp>
+      <p:sp>
+        <p:nvSpPr>
+          <p:cNvPr id="3" name="Content Placeholder 2"/>
+          <p:cNvSpPr>
+            <a:spLocks noGrp="1"/>
+          </p:cNvSpPr>
+          <p:nvPr>
+            <p:ph idx="1"/>
+          </p:nvPr>
+        </p:nvSpPr>
+        <p:spPr/>
+        <p:txBody>
+          <a:bodyPr>
+            <a:normAutofit fontScale="77500" lnSpcReduction="20000"/>
+          </a:bodyPr>
+          <a:lstStyle/>
+          <a:p>
+            <a:pPr>
+              <a:buNone/>
+            </a:pPr>
+            <a:r>
+              <a:rPr lang="en-US" dirty="0" smtClean="0"/>
+              <a:t>def g():</a:t>
+            </a:r>
+          </a:p>
+          <a:p>
+            <a:pPr>
+              <a:buNone/>
+            </a:pPr>
+            <a:r>
+              <a:rPr lang="en-US" dirty="0" smtClean="0"/>
+              <a:t>    print("Hi, it's me 'g'")</a:t>
+            </a:r>
+          </a:p>
+          <a:p>
+            <a:pPr>
+              <a:buNone/>
+            </a:pPr>
+            <a:r>
+              <a:rPr lang="en-US" dirty="0" smtClean="0"/>
+              <a:t>    print("Thanks for calling me")</a:t>
+            </a:r>
+          </a:p>
+          <a:p>
+            <a:pPr>
+              <a:buNone/>
+            </a:pPr>
+            <a:r>
+              <a:rPr lang="en-US" dirty="0" smtClean="0"/>
+              <a:t>    </a:t>
+            </a:r>
+          </a:p>
+          <a:p>
+            <a:pPr>
+              <a:buNone/>
+            </a:pPr>
+            <a:r>
+              <a:rPr lang="en-US" dirty="0" smtClean="0"/>
+              <a:t>def f(</a:t>
+            </a:r>
+            <a:r>
+              <a:rPr lang="en-US" dirty="0" err="1" smtClean="0"/>
+              <a:t>func</a:t>
+            </a:r>
+            <a:r>
+              <a:rPr lang="en-US" dirty="0" smtClean="0"/>
+              <a:t>):</a:t>
+            </a:r>
+          </a:p>
+          <a:p>
+            <a:pPr>
+              <a:buNone/>
+            </a:pPr>
+            <a:r>
+              <a:rPr lang="en-US" dirty="0" smtClean="0"/>
+              <a:t>    print("Hi, it's me 'f'")</a:t>
+            </a:r>
+          </a:p>
+          <a:p>
+            <a:pPr>
+              <a:buNone/>
+            </a:pPr>
+            <a:r>
+              <a:rPr lang="en-US" dirty="0" smtClean="0"/>
+              <a:t>    print("I will call '</a:t>
+            </a:r>
+            <a:r>
+              <a:rPr lang="en-US" dirty="0" err="1" smtClean="0"/>
+              <a:t>func</a:t>
+            </a:r>
+            <a:r>
+              <a:rPr lang="en-US" dirty="0" smtClean="0"/>
+              <a:t>' now")</a:t>
+            </a:r>
+          </a:p>
+          <a:p>
+            <a:pPr>
+              <a:buNone/>
+            </a:pPr>
+            <a:r>
+              <a:rPr lang="en-US" dirty="0" smtClean="0"/>
+              <a:t>    </a:t>
+            </a:r>
+            <a:r>
+              <a:rPr lang="en-US" dirty="0" err="1" smtClean="0"/>
+              <a:t>func</a:t>
+            </a:r>
+            <a:r>
+              <a:rPr lang="en-US" dirty="0" smtClean="0"/>
+              <a:t>()</a:t>
+            </a:r>
+          </a:p>
+          <a:p>
+            <a:pPr>
+              <a:buNone/>
+            </a:pPr>
+            <a:r>
+              <a:rPr lang="en-US" dirty="0" smtClean="0"/>
+              <a:t>    print("</a:t>
+            </a:r>
+            <a:r>
+              <a:rPr lang="en-US" dirty="0" err="1" smtClean="0"/>
+              <a:t>func's</a:t>
+            </a:r>
+            <a:r>
+              <a:rPr lang="en-US" dirty="0" smtClean="0"/>
+              <a:t> real name is " + </a:t>
+            </a:r>
+            <a:r>
+              <a:rPr lang="en-US" dirty="0" err="1" smtClean="0"/>
+              <a:t>func.__name</a:t>
+            </a:r>
+            <a:r>
+              <a:rPr lang="en-US" dirty="0" smtClean="0"/>
+              <a:t>__) </a:t>
+            </a:r>
+          </a:p>
+          <a:p>
+            <a:pPr>
+              <a:buNone/>
+            </a:pPr>
+            <a:r>
+              <a:rPr lang="en-US" dirty="0" smtClean="0"/>
+              <a:t> </a:t>
+            </a:r>
+          </a:p>
+          <a:p>
+            <a:pPr>
+              <a:buNone/>
+            </a:pPr>
+            <a:r>
+              <a:rPr lang="en-US" dirty="0" smtClean="0"/>
+              <a:t>          </a:t>
+            </a:r>
+          </a:p>
+          <a:p>
+            <a:pPr>
+              <a:buNone/>
+            </a:pPr>
+            <a:r>
+              <a:rPr lang="en-US" dirty="0" smtClean="0"/>
+              <a:t>f(g)</a:t>
+            </a:r>
+          </a:p>
+          <a:p>
+            <a:endParaRPr lang="en-US" dirty="0"/>
+          </a:p>
+        </p:txBody>
+      </p:sp>
+    </p:spTree>
+  </p:cSld>
+  <p:clrMapOvr>
+    <a:masterClrMapping/>
+  </p:clrMapOvr>
+</p:sld>
+</file>
+
+<file path=ppt/slides/slide12.xml><?xml version="1.0" encoding="utf-8"?>
+<p:sld xmlns:a="http://schemas.openxmlformats.org/drawingml/2006/main" xmlns:r="http://schemas.openxmlformats.org/officeDocument/2006/relationships" xmlns:p="http://schemas.openxmlformats.org/presentationml/2006/main">
+  <p:cSld>
+    <p:spTree>
+      <p:nvGrpSpPr>
+        <p:cNvPr id="1" name=""/>
+        <p:cNvGrpSpPr/>
+        <p:nvPr/>
+      </p:nvGrpSpPr>
+      <p:grpSpPr>
+        <a:xfrm>
+          <a:off x="0" y="0"/>
+          <a:ext cx="0" cy="0"/>
+          <a:chOff x="0" y="0"/>
+          <a:chExt cx="0" cy="0"/>
+        </a:xfrm>
+      </p:grpSpPr>
+      <p:sp>
+        <p:nvSpPr>
+          <p:cNvPr id="2" name="Title 1"/>
+          <p:cNvSpPr>
+            <a:spLocks noGrp="1"/>
+          </p:cNvSpPr>
+          <p:nvPr>
+            <p:ph type="title"/>
+          </p:nvPr>
+        </p:nvSpPr>
+        <p:spPr/>
+        <p:txBody>
+          <a:bodyPr/>
+          <a:lstStyle/>
+          <a:p>
+            <a:r>
+              <a:rPr lang="en-US" dirty="0" smtClean="0"/>
+              <a:t>Decorator- Math Example</a:t>
+            </a:r>
+            <a:endParaRPr lang="en-US" dirty="0"/>
+          </a:p>
+        </p:txBody>
+      </p:sp>
+      <p:sp>
+        <p:nvSpPr>
+          <p:cNvPr id="3" name="Content Placeholder 2"/>
+          <p:cNvSpPr>
+            <a:spLocks noGrp="1"/>
+          </p:cNvSpPr>
+          <p:nvPr>
+            <p:ph idx="1"/>
+          </p:nvPr>
+        </p:nvSpPr>
+        <p:spPr/>
+        <p:txBody>
+          <a:bodyPr/>
+          <a:lstStyle/>
+          <a:p>
+            <a:r>
+              <a:rPr lang="en-US" dirty="0" smtClean="0"/>
+              <a:t>import math</a:t>
+            </a:r>
+            <a:br>
+              <a:rPr lang="en-US" dirty="0" smtClean="0"/>
+            </a:br>
+            <a:r>
+              <a:rPr lang="en-US" dirty="0" smtClean="0"/>
+              <a:t/>
+            </a:r>
+            <a:br>
+              <a:rPr lang="en-US" dirty="0" smtClean="0"/>
+            </a:br>
+            <a:r>
+              <a:rPr lang="en-US" dirty="0" smtClean="0"/>
+              <a:t>def </a:t>
+            </a:r>
+            <a:r>
+              <a:rPr lang="en-US" dirty="0" err="1" smtClean="0"/>
+              <a:t>foo</a:t>
+            </a:r>
+            <a:r>
+              <a:rPr lang="en-US" dirty="0" smtClean="0"/>
+              <a:t>(</a:t>
+            </a:r>
+            <a:r>
+              <a:rPr lang="en-US" dirty="0" err="1" smtClean="0"/>
+              <a:t>func</a:t>
+            </a:r>
+            <a:r>
+              <a:rPr lang="en-US" dirty="0" smtClean="0"/>
+              <a:t>):</a:t>
+            </a:r>
+            <a:br>
+              <a:rPr lang="en-US" dirty="0" smtClean="0"/>
+            </a:br>
+            <a:r>
+              <a:rPr lang="en-US" dirty="0" smtClean="0"/>
+              <a:t>    print("The function " + </a:t>
+            </a:r>
+            <a:r>
+              <a:rPr lang="en-US" dirty="0" err="1" smtClean="0"/>
+              <a:t>func.__name</a:t>
+            </a:r>
+            <a:r>
+              <a:rPr lang="en-US" dirty="0" smtClean="0"/>
+              <a:t>__ + " was passed to </a:t>
+            </a:r>
+            <a:r>
+              <a:rPr lang="en-US" dirty="0" err="1" smtClean="0"/>
+              <a:t>foo</a:t>
+            </a:r>
+            <a:r>
+              <a:rPr lang="en-US" dirty="0" smtClean="0"/>
+              <a:t>")</a:t>
+            </a:r>
+            <a:br>
+              <a:rPr lang="en-US" dirty="0" smtClean="0"/>
+            </a:br>
+            <a:r>
+              <a:rPr lang="en-US" dirty="0" smtClean="0"/>
+              <a:t>    res = 0</a:t>
+            </a:r>
+            <a:br>
+              <a:rPr lang="en-US" dirty="0" smtClean="0"/>
+            </a:br>
+            <a:r>
+              <a:rPr lang="en-US" dirty="0" smtClean="0"/>
+              <a:t>    for x in [1, 2, 2.5]:</a:t>
+            </a:r>
+            <a:br>
+              <a:rPr lang="en-US" dirty="0" smtClean="0"/>
+            </a:br>
+            <a:r>
+              <a:rPr lang="en-US" dirty="0" smtClean="0"/>
+              <a:t>        res += </a:t>
+            </a:r>
+            <a:r>
+              <a:rPr lang="en-US" dirty="0" err="1" smtClean="0"/>
+              <a:t>func</a:t>
+            </a:r>
+            <a:r>
+              <a:rPr lang="en-US" dirty="0" smtClean="0"/>
+              <a:t>(x)</a:t>
+            </a:r>
+            <a:br>
+              <a:rPr lang="en-US" dirty="0" smtClean="0"/>
+            </a:br>
+            <a:r>
+              <a:rPr lang="en-US" dirty="0" smtClean="0"/>
+              <a:t>    return res</a:t>
+            </a:r>
+            <a:br>
+              <a:rPr lang="en-US" dirty="0" smtClean="0"/>
+            </a:br>
+            <a:r>
+              <a:rPr lang="en-US" dirty="0" smtClean="0"/>
+              <a:t/>
+            </a:r>
+            <a:br>
+              <a:rPr lang="en-US" dirty="0" smtClean="0"/>
+            </a:br>
+            <a:r>
+              <a:rPr lang="en-US" dirty="0" smtClean="0"/>
+              <a:t>print(</a:t>
+            </a:r>
+            <a:r>
+              <a:rPr lang="en-US" dirty="0" err="1" smtClean="0"/>
+              <a:t>foo</a:t>
+            </a:r>
+            <a:r>
+              <a:rPr lang="en-US" dirty="0" smtClean="0"/>
+              <a:t>(math.sin))</a:t>
+            </a:r>
+            <a:br>
+              <a:rPr lang="en-US" dirty="0" smtClean="0"/>
+            </a:br>
+            <a:r>
+              <a:rPr lang="en-US" dirty="0" smtClean="0"/>
+              <a:t>print(</a:t>
+            </a:r>
+            <a:r>
+              <a:rPr lang="en-US" dirty="0" err="1" smtClean="0"/>
+              <a:t>foo</a:t>
+            </a:r>
+            <a:r>
+              <a:rPr lang="en-US" dirty="0" smtClean="0"/>
+              <a:t>(math.cos))</a:t>
+            </a:r>
+            <a:endParaRPr lang="en-US" dirty="0"/>
+          </a:p>
+        </p:txBody>
+      </p:sp>
+    </p:spTree>
+  </p:cSld>
+  <p:clrMapOvr>
+    <a:masterClrMapping/>
+  </p:clrMapOvr>
+</p:sld>
+</file>
+
+<file path=ppt/slides/slide13.xml><?xml version="1.0" encoding="utf-8"?>
+<p:sld xmlns:a="http://schemas.openxmlformats.org/drawingml/2006/main" xmlns:r="http://schemas.openxmlformats.org/officeDocument/2006/relationships" xmlns:p="http://schemas.openxmlformats.org/presentationml/2006/main">
+  <p:cSld>
+    <p:spTree>
+      <p:nvGrpSpPr>
+        <p:cNvPr id="1" name=""/>
+        <p:cNvGrpSpPr/>
+        <p:nvPr/>
+      </p:nvGrpSpPr>
+      <p:grpSpPr>
+        <a:xfrm>
+          <a:off x="0" y="0"/>
+          <a:ext cx="0" cy="0"/>
+          <a:chOff x="0" y="0"/>
+          <a:chExt cx="0" cy="0"/>
+        </a:xfrm>
+      </p:grpSpPr>
+      <p:sp>
+        <p:nvSpPr>
+          <p:cNvPr id="2" name="Title 1"/>
+          <p:cNvSpPr>
+            <a:spLocks noGrp="1"/>
+          </p:cNvSpPr>
+          <p:nvPr>
+            <p:ph type="title"/>
+          </p:nvPr>
+        </p:nvSpPr>
+        <p:spPr/>
+        <p:txBody>
+          <a:bodyPr/>
+          <a:lstStyle/>
+          <a:p>
+            <a:r>
+              <a:rPr lang="en-US" dirty="0" smtClean="0"/>
+              <a:t>Decorator-Function Returning function</a:t>
+            </a:r>
+            <a:endParaRPr lang="en-US" dirty="0"/>
+          </a:p>
+        </p:txBody>
+      </p:sp>
+      <p:sp>
+        <p:nvSpPr>
+          <p:cNvPr id="3" name="Content Placeholder 2"/>
+          <p:cNvSpPr>
+            <a:spLocks noGrp="1"/>
+          </p:cNvSpPr>
+          <p:nvPr>
+            <p:ph idx="1"/>
+          </p:nvPr>
+        </p:nvSpPr>
+        <p:spPr/>
+        <p:txBody>
+          <a:bodyPr>
+            <a:normAutofit fontScale="92500" lnSpcReduction="20000"/>
+          </a:bodyPr>
+          <a:lstStyle/>
+          <a:p>
+            <a:pPr>
+              <a:buNone/>
+            </a:pPr>
+            <a:r>
+              <a:rPr lang="en-US" dirty="0" smtClean="0"/>
+              <a:t>def f(x):</a:t>
+            </a:r>
+          </a:p>
+          <a:p>
+            <a:pPr>
+              <a:buNone/>
+            </a:pPr>
+            <a:r>
+              <a:rPr lang="en-US" dirty="0" smtClean="0"/>
+              <a:t>    def g(y):</a:t>
+            </a:r>
+          </a:p>
+          <a:p>
+            <a:pPr>
+              <a:buNone/>
+            </a:pPr>
+            <a:r>
+              <a:rPr lang="en-US" dirty="0" smtClean="0"/>
+              <a:t>        return y + x + 3 </a:t>
+            </a:r>
+          </a:p>
+          <a:p>
+            <a:pPr>
+              <a:buNone/>
+            </a:pPr>
+            <a:r>
+              <a:rPr lang="en-US" dirty="0" smtClean="0"/>
+              <a:t>    return g</a:t>
+            </a:r>
+          </a:p>
+          <a:p>
+            <a:pPr>
+              <a:buNone/>
+            </a:pPr>
+            <a:r>
+              <a:rPr lang="en-US" dirty="0" smtClean="0"/>
+              <a:t> </a:t>
+            </a:r>
+          </a:p>
+          <a:p>
+            <a:pPr>
+              <a:buNone/>
+            </a:pPr>
+            <a:r>
+              <a:rPr lang="en-US" dirty="0" smtClean="0"/>
+              <a:t>nf1 = f(1)</a:t>
+            </a:r>
+          </a:p>
+          <a:p>
+            <a:pPr>
+              <a:buNone/>
+            </a:pPr>
+            <a:r>
+              <a:rPr lang="en-US" dirty="0" smtClean="0"/>
+              <a:t>nf2 = f(3)</a:t>
+            </a:r>
+          </a:p>
+          <a:p>
+            <a:pPr>
+              <a:buNone/>
+            </a:pPr>
+            <a:r>
+              <a:rPr lang="en-US" dirty="0" smtClean="0"/>
+              <a:t> </a:t>
+            </a:r>
+          </a:p>
+          <a:p>
+            <a:pPr>
+              <a:buNone/>
+            </a:pPr>
+            <a:r>
+              <a:rPr lang="en-US" dirty="0" smtClean="0"/>
+              <a:t>print(nf1(1))</a:t>
+            </a:r>
+          </a:p>
+          <a:p>
+            <a:pPr>
+              <a:buNone/>
+            </a:pPr>
+            <a:r>
+              <a:rPr lang="en-US" dirty="0" smtClean="0"/>
+              <a:t>print(nf2(1))</a:t>
+            </a:r>
+            <a:endParaRPr lang="en-US" dirty="0"/>
+          </a:p>
+        </p:txBody>
+      </p:sp>
+    </p:spTree>
   </p:cSld>
   <p:clrMapOvr>
     <a:masterClrMapping/>
@@ -3510,14 +4232,13 @@
               <a:rPr lang="en-US" dirty="0"/>
               <a:t>for gets values by calling next() implicitly</a:t>
             </a:r>
-            <a:endParaRPr lang="en-US" dirty="0"/>
           </a:p>
         </p:txBody>
       </p:sp>
     </p:spTree>
     <p:extLst>
       <p:ext uri="{BB962C8B-B14F-4D97-AF65-F5344CB8AC3E}">
-        <p14:creationId xmlns:p14="http://schemas.microsoft.com/office/powerpoint/2010/main" val="3460656180"/>
+        <p14:creationId xmlns:p14="http://schemas.microsoft.com/office/powerpoint/2010/main" xmlns="" val="3460656180"/>
       </p:ext>
     </p:extLst>
   </p:cSld>
@@ -3598,7 +4319,7 @@
           <a:effectLst/>
           <a:extLst>
             <a:ext uri="{91240B29-F687-4F45-9708-019B960494DF}">
-              <a14:hiddenLine xmlns:a14="http://schemas.microsoft.com/office/drawing/2010/main" w="9525">
+              <a14:hiddenLine xmlns:a14="http://schemas.microsoft.com/office/drawing/2010/main" xmlns="" w="9525">
                 <a:solidFill>
                   <a:schemeClr val="tx1"/>
                 </a:solidFill>
@@ -3608,7 +4329,7 @@
               </a14:hiddenLine>
             </a:ext>
             <a:ext uri="{AF507438-7753-43E0-B8FC-AC1667EBCBE1}">
-              <a14:hiddenEffects xmlns:a14="http://schemas.microsoft.com/office/drawing/2010/main">
+              <a14:hiddenEffects xmlns:a14="http://schemas.microsoft.com/office/drawing/2010/main" xmlns="">
                 <a:effectLst>
                   <a:outerShdw dist="35921" dir="2700000" algn="ctr" rotWithShape="0">
                     <a:schemeClr val="bg2"/>
@@ -3684,6 +4405,20 @@
                 <a:cs typeface="Courier New" panose="02070309020205020404" pitchFamily="49" charset="0"/>
               </a:rPr>
             </a:br>
+            <a:r>
+              <a:rPr kumimoji="0" lang="en-US" altLang="en-US" sz="1400" b="0" i="0" u="none" strike="noStrike" cap="none" normalizeH="0" baseline="0" dirty="0">
+                <a:ln>
+                  <a:noFill/>
+                </a:ln>
+                <a:solidFill>
+                  <a:srgbClr val="000000"/>
+                </a:solidFill>
+                <a:effectLst/>
+                <a:latin typeface="Courier New" panose="02070309020205020404" pitchFamily="49" charset="0"/>
+                <a:cs typeface="Courier New" panose="02070309020205020404" pitchFamily="49" charset="0"/>
+              </a:rPr>
+              <a:t/>
+            </a:r>
             <a:br>
               <a:rPr kumimoji="0" lang="en-US" altLang="en-US" sz="1400" b="0" i="0" u="none" strike="noStrike" cap="none" normalizeH="0" baseline="0" dirty="0">
                 <a:ln>
@@ -4043,6 +4778,20 @@
                 <a:cs typeface="Courier New" panose="02070309020205020404" pitchFamily="49" charset="0"/>
               </a:rPr>
             </a:br>
+            <a:r>
+              <a:rPr kumimoji="0" lang="en-US" altLang="en-US" sz="1400" b="0" i="0" u="none" strike="noStrike" cap="none" normalizeH="0" baseline="0" dirty="0">
+                <a:ln>
+                  <a:noFill/>
+                </a:ln>
+                <a:solidFill>
+                  <a:srgbClr val="000000"/>
+                </a:solidFill>
+                <a:effectLst/>
+                <a:latin typeface="Courier New" panose="02070309020205020404" pitchFamily="49" charset="0"/>
+                <a:cs typeface="Courier New" panose="02070309020205020404" pitchFamily="49" charset="0"/>
+              </a:rPr>
+              <a:t/>
+            </a:r>
             <a:br>
               <a:rPr kumimoji="0" lang="en-US" altLang="en-US" sz="1400" b="0" i="0" u="none" strike="noStrike" cap="none" normalizeH="0" baseline="0" dirty="0">
                 <a:ln>
@@ -4222,6 +4971,20 @@
                 <a:cs typeface="Courier New" panose="02070309020205020404" pitchFamily="49" charset="0"/>
               </a:rPr>
             </a:br>
+            <a:r>
+              <a:rPr kumimoji="0" lang="en-US" altLang="en-US" sz="1400" b="0" i="0" u="none" strike="noStrike" cap="none" normalizeH="0" baseline="0" dirty="0">
+                <a:ln>
+                  <a:noFill/>
+                </a:ln>
+                <a:solidFill>
+                  <a:srgbClr val="000000"/>
+                </a:solidFill>
+                <a:effectLst/>
+                <a:latin typeface="Courier New" panose="02070309020205020404" pitchFamily="49" charset="0"/>
+                <a:cs typeface="Courier New" panose="02070309020205020404" pitchFamily="49" charset="0"/>
+              </a:rPr>
+              <a:t/>
+            </a:r>
             <a:br>
               <a:rPr kumimoji="0" lang="en-US" altLang="en-US" sz="1400" b="0" i="0" u="none" strike="noStrike" cap="none" normalizeH="0" baseline="0" dirty="0">
                 <a:ln>
@@ -4432,7 +5195,7 @@
     </p:spTree>
     <p:extLst>
       <p:ext uri="{BB962C8B-B14F-4D97-AF65-F5344CB8AC3E}">
-        <p14:creationId xmlns:p14="http://schemas.microsoft.com/office/powerpoint/2010/main" val="2930261502"/>
+        <p14:creationId xmlns:p14="http://schemas.microsoft.com/office/powerpoint/2010/main" xmlns="" val="2930261502"/>
       </p:ext>
     </p:extLst>
   </p:cSld>
@@ -4478,7 +5241,6 @@
               <a:rPr lang="en-US" dirty="0"/>
               <a:t>Python Generator –Examples -2</a:t>
             </a:r>
-            <a:endParaRPr lang="en-US" dirty="0"/>
           </a:p>
         </p:txBody>
       </p:sp>
@@ -4509,7 +5271,7 @@
           <a:effectLst/>
           <a:extLst>
             <a:ext uri="{91240B29-F687-4F45-9708-019B960494DF}">
-              <a14:hiddenLine xmlns:a14="http://schemas.microsoft.com/office/drawing/2010/main" w="9525">
+              <a14:hiddenLine xmlns:a14="http://schemas.microsoft.com/office/drawing/2010/main" xmlns="" w="9525">
                 <a:solidFill>
                   <a:schemeClr val="tx1"/>
                 </a:solidFill>
@@ -4519,7 +5281,7 @@
               </a14:hiddenLine>
             </a:ext>
             <a:ext uri="{AF507438-7753-43E0-B8FC-AC1667EBCBE1}">
-              <a14:hiddenEffects xmlns:a14="http://schemas.microsoft.com/office/drawing/2010/main">
+              <a14:hiddenEffects xmlns:a14="http://schemas.microsoft.com/office/drawing/2010/main" xmlns="">
                 <a:effectLst>
                   <a:outerShdw dist="35921" dir="2700000" algn="ctr" rotWithShape="0">
                     <a:schemeClr val="bg2"/>
@@ -4789,6 +5551,20 @@
               </a:rPr>
               <a:t>i</a:t>
             </a:r>
+            <a:r>
+              <a:rPr kumimoji="0" lang="en-US" altLang="en-US" sz="1600" b="0" i="0" u="none" strike="noStrike" cap="none" normalizeH="0" baseline="0" dirty="0">
+                <a:ln>
+                  <a:noFill/>
+                </a:ln>
+                <a:solidFill>
+                  <a:srgbClr val="000000"/>
+                </a:solidFill>
+                <a:effectLst/>
+                <a:latin typeface="Courier New" panose="02070309020205020404" pitchFamily="49" charset="0"/>
+                <a:cs typeface="Courier New" panose="02070309020205020404" pitchFamily="49" charset="0"/>
+              </a:rPr>
+              <a:t/>
+            </a:r>
             <a:br>
               <a:rPr kumimoji="0" lang="en-US" altLang="en-US" sz="1600" b="0" i="0" u="none" strike="noStrike" cap="none" normalizeH="0" baseline="0" dirty="0">
                 <a:ln>
@@ -4871,6 +5647,20 @@
                 <a:cs typeface="Courier New" panose="02070309020205020404" pitchFamily="49" charset="0"/>
               </a:rPr>
             </a:br>
+            <a:r>
+              <a:rPr kumimoji="0" lang="en-US" altLang="en-US" sz="1600" b="0" i="0" u="none" strike="noStrike" cap="none" normalizeH="0" baseline="0" dirty="0">
+                <a:ln>
+                  <a:noFill/>
+                </a:ln>
+                <a:solidFill>
+                  <a:srgbClr val="0000FF"/>
+                </a:solidFill>
+                <a:effectLst/>
+                <a:latin typeface="Courier New" panose="02070309020205020404" pitchFamily="49" charset="0"/>
+                <a:cs typeface="Courier New" panose="02070309020205020404" pitchFamily="49" charset="0"/>
+              </a:rPr>
+              <a:t/>
+            </a:r>
             <a:br>
               <a:rPr kumimoji="0" lang="en-US" altLang="en-US" sz="1600" b="0" i="0" u="none" strike="noStrike" cap="none" normalizeH="0" baseline="0" dirty="0">
                 <a:ln>
@@ -5050,6 +5840,20 @@
                 <a:cs typeface="Courier New" panose="02070309020205020404" pitchFamily="49" charset="0"/>
               </a:rPr>
             </a:br>
+            <a:r>
+              <a:rPr kumimoji="0" lang="en-US" altLang="en-US" sz="1600" b="0" i="0" u="none" strike="noStrike" cap="none" normalizeH="0" baseline="0" dirty="0">
+                <a:ln>
+                  <a:noFill/>
+                </a:ln>
+                <a:solidFill>
+                  <a:srgbClr val="000000"/>
+                </a:solidFill>
+                <a:effectLst/>
+                <a:latin typeface="Courier New" panose="02070309020205020404" pitchFamily="49" charset="0"/>
+                <a:cs typeface="Courier New" panose="02070309020205020404" pitchFamily="49" charset="0"/>
+              </a:rPr>
+              <a:t/>
+            </a:r>
             <a:br>
               <a:rPr kumimoji="0" lang="en-US" altLang="en-US" sz="1600" b="0" i="0" u="none" strike="noStrike" cap="none" normalizeH="0" baseline="0" dirty="0">
                 <a:ln>
@@ -5146,6 +5950,20 @@
                 <a:cs typeface="Courier New" panose="02070309020205020404" pitchFamily="49" charset="0"/>
               </a:rPr>
             </a:br>
+            <a:r>
+              <a:rPr kumimoji="0" lang="en-US" altLang="en-US" sz="1600" b="0" i="0" u="none" strike="noStrike" cap="none" normalizeH="0" baseline="0" dirty="0">
+                <a:ln>
+                  <a:noFill/>
+                </a:ln>
+                <a:solidFill>
+                  <a:srgbClr val="000000"/>
+                </a:solidFill>
+                <a:effectLst/>
+                <a:latin typeface="Courier New" panose="02070309020205020404" pitchFamily="49" charset="0"/>
+                <a:cs typeface="Courier New" panose="02070309020205020404" pitchFamily="49" charset="0"/>
+              </a:rPr>
+              <a:t/>
+            </a:r>
             <a:br>
               <a:rPr kumimoji="0" lang="en-US" altLang="en-US" sz="1600" b="0" i="0" u="none" strike="noStrike" cap="none" normalizeH="0" baseline="0" dirty="0">
                 <a:ln>
@@ -5242,6 +6060,20 @@
                 <a:cs typeface="Courier New" panose="02070309020205020404" pitchFamily="49" charset="0"/>
               </a:rPr>
             </a:br>
+            <a:r>
+              <a:rPr kumimoji="0" lang="en-US" altLang="en-US" sz="1600" b="0" i="0" u="none" strike="noStrike" cap="none" normalizeH="0" baseline="0" dirty="0">
+                <a:ln>
+                  <a:noFill/>
+                </a:ln>
+                <a:solidFill>
+                  <a:srgbClr val="000000"/>
+                </a:solidFill>
+                <a:effectLst/>
+                <a:latin typeface="Courier New" panose="02070309020205020404" pitchFamily="49" charset="0"/>
+                <a:cs typeface="Courier New" panose="02070309020205020404" pitchFamily="49" charset="0"/>
+              </a:rPr>
+              <a:t/>
+            </a:r>
             <a:br>
               <a:rPr kumimoji="0" lang="en-US" altLang="en-US" sz="1600" b="0" i="0" u="none" strike="noStrike" cap="none" normalizeH="0" baseline="0" dirty="0">
                 <a:ln>
@@ -5338,6 +6170,20 @@
                 <a:cs typeface="Courier New" panose="02070309020205020404" pitchFamily="49" charset="0"/>
               </a:rPr>
             </a:br>
+            <a:r>
+              <a:rPr kumimoji="0" lang="en-US" altLang="en-US" sz="1600" b="0" i="0" u="none" strike="noStrike" cap="none" normalizeH="0" baseline="0" dirty="0">
+                <a:ln>
+                  <a:noFill/>
+                </a:ln>
+                <a:solidFill>
+                  <a:srgbClr val="000000"/>
+                </a:solidFill>
+                <a:effectLst/>
+                <a:latin typeface="Courier New" panose="02070309020205020404" pitchFamily="49" charset="0"/>
+                <a:cs typeface="Courier New" panose="02070309020205020404" pitchFamily="49" charset="0"/>
+              </a:rPr>
+              <a:t/>
+            </a:r>
             <a:br>
               <a:rPr kumimoji="0" lang="en-US" altLang="en-US" sz="1600" b="0" i="0" u="none" strike="noStrike" cap="none" normalizeH="0" baseline="0" dirty="0">
                 <a:ln>
@@ -5351,6 +6197,20 @@
                 <a:cs typeface="Courier New" panose="02070309020205020404" pitchFamily="49" charset="0"/>
               </a:rPr>
             </a:br>
+            <a:r>
+              <a:rPr kumimoji="0" lang="en-US" altLang="en-US" sz="1600" b="0" i="0" u="none" strike="noStrike" cap="none" normalizeH="0" baseline="0" dirty="0">
+                <a:ln>
+                  <a:noFill/>
+                </a:ln>
+                <a:solidFill>
+                  <a:srgbClr val="000000"/>
+                </a:solidFill>
+                <a:effectLst/>
+                <a:latin typeface="Courier New" panose="02070309020205020404" pitchFamily="49" charset="0"/>
+                <a:cs typeface="Courier New" panose="02070309020205020404" pitchFamily="49" charset="0"/>
+              </a:rPr>
+              <a:t/>
+            </a:r>
             <a:br>
               <a:rPr kumimoji="0" lang="en-US" altLang="en-US" sz="1600" b="0" i="0" u="none" strike="noStrike" cap="none" normalizeH="0" baseline="0" dirty="0">
                 <a:ln>
@@ -5447,6 +6307,20 @@
                 <a:cs typeface="Courier New" panose="02070309020205020404" pitchFamily="49" charset="0"/>
               </a:rPr>
             </a:br>
+            <a:r>
+              <a:rPr kumimoji="0" lang="en-US" altLang="en-US" sz="1600" b="0" i="0" u="none" strike="noStrike" cap="none" normalizeH="0" baseline="0" dirty="0">
+                <a:ln>
+                  <a:noFill/>
+                </a:ln>
+                <a:solidFill>
+                  <a:srgbClr val="000000"/>
+                </a:solidFill>
+                <a:effectLst/>
+                <a:latin typeface="Courier New" panose="02070309020205020404" pitchFamily="49" charset="0"/>
+                <a:cs typeface="Courier New" panose="02070309020205020404" pitchFamily="49" charset="0"/>
+              </a:rPr>
+              <a:t/>
+            </a:r>
             <a:br>
               <a:rPr kumimoji="0" lang="en-US" altLang="en-US" sz="1600" b="0" i="0" u="none" strike="noStrike" cap="none" normalizeH="0" baseline="0" dirty="0">
                 <a:ln>
@@ -5592,7 +6466,6 @@
               <a:rPr lang="en-US" dirty="0"/>
               <a:t>Python Generator –Examples -3</a:t>
             </a:r>
-            <a:endParaRPr lang="en-US" dirty="0"/>
           </a:p>
         </p:txBody>
       </p:sp>
@@ -5746,7 +6619,7 @@
     </p:spTree>
     <p:extLst>
       <p:ext uri="{BB962C8B-B14F-4D97-AF65-F5344CB8AC3E}">
-        <p14:creationId xmlns:p14="http://schemas.microsoft.com/office/powerpoint/2010/main" val="3857125174"/>
+        <p14:creationId xmlns:p14="http://schemas.microsoft.com/office/powerpoint/2010/main" xmlns="" val="3857125174"/>
       </p:ext>
     </p:extLst>
   </p:cSld>
@@ -5790,14 +6663,15 @@
           </a:xfrm>
         </p:spPr>
         <p:txBody>
-          <a:bodyPr/>
+          <a:bodyPr>
+            <a:normAutofit fontScale="90000"/>
+          </a:bodyPr>
           <a:lstStyle/>
           <a:p>
             <a:r>
               <a:rPr lang="en-US" dirty="0"/>
               <a:t>Python Generator –Examples -3- Continue</a:t>
             </a:r>
-            <a:endParaRPr lang="en-US" dirty="0"/>
           </a:p>
         </p:txBody>
       </p:sp>
@@ -5990,14 +6864,13 @@
               <a:rPr lang="en-US" dirty="0"/>
               <a:t>print take(5, squares()) # prints [1, 4, 9, 16, 25]</a:t>
             </a:r>
-            <a:endParaRPr lang="en-US" dirty="0"/>
           </a:p>
         </p:txBody>
       </p:sp>
     </p:spTree>
     <p:extLst>
       <p:ext uri="{BB962C8B-B14F-4D97-AF65-F5344CB8AC3E}">
-        <p14:creationId xmlns:p14="http://schemas.microsoft.com/office/powerpoint/2010/main" val="915732085"/>
+        <p14:creationId xmlns:p14="http://schemas.microsoft.com/office/powerpoint/2010/main" xmlns="" val="915732085"/>
       </p:ext>
     </p:extLst>
   </p:cSld>
@@ -6144,14 +7017,13 @@
               <a:rPr lang="en-US" dirty="0"/>
               <a:t>    print(n)</a:t>
             </a:r>
-            <a:endParaRPr lang="en-US" dirty="0"/>
           </a:p>
         </p:txBody>
       </p:sp>
     </p:spTree>
     <p:extLst>
       <p:ext uri="{BB962C8B-B14F-4D97-AF65-F5344CB8AC3E}">
-        <p14:creationId xmlns:p14="http://schemas.microsoft.com/office/powerpoint/2010/main" val="3368080041"/>
+        <p14:creationId xmlns:p14="http://schemas.microsoft.com/office/powerpoint/2010/main" xmlns="" val="3368080041"/>
       </p:ext>
     </p:extLst>
   </p:cSld>
@@ -6191,7 +7063,7 @@
         <p:spPr>
           <a:xfrm>
             <a:off x="838200" y="365125"/>
-            <a:ext cx="10515600" cy="847449"/>
+            <a:ext cx="10515600" cy="1071789"/>
           </a:xfrm>
         </p:spPr>
         <p:txBody>
@@ -6200,7 +7072,7 @@
           <a:p>
             <a:r>
               <a:rPr lang="en-US" dirty="0"/>
-              <a:t>Decorators - Example</a:t>
+              <a:t>Decorator –Real World Example</a:t>
             </a:r>
           </a:p>
         </p:txBody>
@@ -6217,8 +7089,8 @@
         </p:nvSpPr>
         <p:spPr>
           <a:xfrm>
-            <a:off x="838200" y="1449977"/>
-            <a:ext cx="10515600" cy="4726986"/>
+            <a:off x="838200" y="1528354"/>
+            <a:ext cx="10515600" cy="4648609"/>
           </a:xfrm>
         </p:spPr>
         <p:txBody>
@@ -6227,20 +7099,155 @@
           </a:bodyPr>
           <a:lstStyle/>
           <a:p>
-            <a:pPr marL="0" indent="0">
-              <a:buNone/>
-            </a:pPr>
+            <a:r>
+              <a:rPr lang="en-US" dirty="0"/>
+              <a:t>import time</a:t>
+            </a:r>
+            <a:br>
+              <a:rPr lang="en-US" dirty="0"/>
+            </a:br>
+            <a:r>
+              <a:rPr lang="en-US" dirty="0"/>
+              <a:t/>
+            </a:r>
+            <a:br>
+              <a:rPr lang="en-US" dirty="0"/>
+            </a:br>
+            <a:r>
+              <a:rPr lang="en-US" dirty="0"/>
+              <a:t/>
+            </a:r>
+            <a:br>
+              <a:rPr lang="en-US" dirty="0"/>
+            </a:br>
             <a:r>
               <a:rPr lang="en-US" dirty="0"/>
               <a:t>def </a:t>
             </a:r>
             <a:r>
               <a:rPr lang="en-US" dirty="0" err="1"/>
-              <a:t>messageWithWelcome</a:t>
+              <a:t>timing_function</a:t>
             </a:r>
             <a:r>
               <a:rPr lang="en-US" dirty="0"/>
               <a:t>(</a:t>
+            </a:r>
+            <a:r>
+              <a:rPr lang="en-US" dirty="0" err="1"/>
+              <a:t>some_function</a:t>
+            </a:r>
+            <a:r>
+              <a:rPr lang="en-US" dirty="0"/>
+              <a:t>):</a:t>
+            </a:r>
+            <a:br>
+              <a:rPr lang="en-US" dirty="0"/>
+            </a:br>
+            <a:r>
+              <a:rPr lang="en-US" dirty="0"/>
+              <a:t/>
+            </a:r>
+            <a:br>
+              <a:rPr lang="en-US" dirty="0"/>
+            </a:br>
+            <a:r>
+              <a:rPr lang="en-US" dirty="0"/>
+              <a:t>    </a:t>
+            </a:r>
+            <a:r>
+              <a:rPr lang="en-US" i="1" dirty="0"/>
+              <a:t>"""</a:t>
+            </a:r>
+            <a:br>
+              <a:rPr lang="en-US" i="1" dirty="0"/>
+            </a:br>
+            <a:r>
+              <a:rPr lang="en-US" i="1" dirty="0"/>
+              <a:t>    Outputs the time a function takes</a:t>
+            </a:r>
+            <a:br>
+              <a:rPr lang="en-US" i="1" dirty="0"/>
+            </a:br>
+            <a:r>
+              <a:rPr lang="en-US" i="1" dirty="0"/>
+              <a:t>    to execute.</a:t>
+            </a:r>
+            <a:br>
+              <a:rPr lang="en-US" i="1" dirty="0"/>
+            </a:br>
+            <a:r>
+              <a:rPr lang="en-US" i="1" dirty="0"/>
+              <a:t>    """</a:t>
+            </a:r>
+            <a:br>
+              <a:rPr lang="en-US" i="1" dirty="0"/>
+            </a:br>
+            <a:r>
+              <a:rPr lang="en-US" i="1" dirty="0"/>
+              <a:t/>
+            </a:r>
+            <a:br>
+              <a:rPr lang="en-US" i="1" dirty="0"/>
+            </a:br>
+            <a:r>
+              <a:rPr lang="en-US" i="1" dirty="0"/>
+              <a:t>    </a:t>
+            </a:r>
+            <a:r>
+              <a:rPr lang="en-US" dirty="0"/>
+              <a:t>def wrapper():</a:t>
+            </a:r>
+            <a:br>
+              <a:rPr lang="en-US" dirty="0"/>
+            </a:br>
+            <a:r>
+              <a:rPr lang="en-US" dirty="0"/>
+              <a:t>        t1 = </a:t>
+            </a:r>
+            <a:r>
+              <a:rPr lang="en-US" dirty="0" err="1"/>
+              <a:t>time.time</a:t>
+            </a:r>
+            <a:r>
+              <a:rPr lang="en-US" dirty="0"/>
+              <a:t>()</a:t>
+            </a:r>
+            <a:br>
+              <a:rPr lang="en-US" dirty="0"/>
+            </a:br>
+            <a:r>
+              <a:rPr lang="en-US" dirty="0"/>
+              <a:t>        </a:t>
+            </a:r>
+            <a:r>
+              <a:rPr lang="en-US" dirty="0" err="1"/>
+              <a:t>some_function</a:t>
+            </a:r>
+            <a:r>
+              <a:rPr lang="en-US" dirty="0"/>
+              <a:t>()</a:t>
+            </a:r>
+            <a:br>
+              <a:rPr lang="en-US" dirty="0"/>
+            </a:br>
+            <a:r>
+              <a:rPr lang="en-US" dirty="0"/>
+              <a:t>        t2 = </a:t>
+            </a:r>
+            <a:r>
+              <a:rPr lang="en-US" dirty="0" err="1"/>
+              <a:t>time.time</a:t>
+            </a:r>
+            <a:r>
+              <a:rPr lang="en-US" dirty="0"/>
+              <a:t>()</a:t>
+            </a:r>
+            <a:br>
+              <a:rPr lang="en-US" dirty="0"/>
+            </a:br>
+            <a:r>
+              <a:rPr lang="en-US" dirty="0"/>
+              <a:t>        return "Time it took to run the function: " + </a:t>
             </a:r>
             <a:r>
               <a:rPr lang="en-US" dirty="0" err="1"/>
@@ -6248,187 +7255,156 @@
             </a:r>
             <a:r>
               <a:rPr lang="en-US" dirty="0"/>
-              <a:t>):</a:t>
-            </a:r>
-          </a:p>
-          <a:p>
-            <a:pPr marL="0" indent="0">
-              <a:buNone/>
-            </a:pPr>
-            <a:r>
-              <a:rPr lang="en-US" dirty="0"/>
-              <a:t> </a:t>
-            </a:r>
-          </a:p>
-          <a:p>
-            <a:pPr marL="0" indent="0">
-              <a:buNone/>
-            </a:pPr>
-            <a:r>
-              <a:rPr lang="en-US" dirty="0"/>
-              <a:t>    # Nested function</a:t>
-            </a:r>
-          </a:p>
-          <a:p>
-            <a:pPr marL="0" indent="0">
-              <a:buNone/>
-            </a:pPr>
-            <a:r>
-              <a:rPr lang="en-US" dirty="0"/>
-              <a:t>    def </a:t>
+              <a:t>((t2 - t1)) + "\n"</a:t>
+            </a:r>
+            <a:br>
+              <a:rPr lang="en-US" dirty="0"/>
+            </a:br>
+            <a:r>
+              <a:rPr lang="en-US" dirty="0"/>
+              <a:t>    return wrapper</a:t>
+            </a:r>
+            <a:br>
+              <a:rPr lang="en-US" dirty="0"/>
+            </a:br>
+            <a:r>
+              <a:rPr lang="en-US" dirty="0"/>
+              <a:t/>
+            </a:r>
+            <a:br>
+              <a:rPr lang="en-US" dirty="0"/>
+            </a:br>
+            <a:r>
+              <a:rPr lang="en-US" dirty="0"/>
+              <a:t/>
+            </a:r>
+            <a:br>
+              <a:rPr lang="en-US" dirty="0"/>
+            </a:br>
+            <a:r>
+              <a:rPr lang="en-US" dirty="0"/>
+              <a:t>@</a:t>
             </a:r>
             <a:r>
               <a:rPr lang="en-US" dirty="0" err="1"/>
-              <a:t>addWelcome</a:t>
+              <a:t>timing_function</a:t>
+            </a:r>
+            <a:r>
+              <a:rPr lang="en-US" dirty="0"/>
+              <a:t/>
+            </a:r>
+            <a:br>
+              <a:rPr lang="en-US" dirty="0"/>
+            </a:br>
+            <a:r>
+              <a:rPr lang="en-US" dirty="0"/>
+              <a:t>def </a:t>
+            </a:r>
+            <a:r>
+              <a:rPr lang="en-US" dirty="0" err="1"/>
+              <a:t>my_function</a:t>
             </a:r>
             <a:r>
               <a:rPr lang="en-US" dirty="0"/>
               <a:t>():</a:t>
             </a:r>
-          </a:p>
-          <a:p>
-            <a:pPr marL="0" indent="0">
-              <a:buNone/>
-            </a:pPr>
-            <a:r>
-              <a:rPr lang="en-US" dirty="0"/>
-              <a:t>        return "Welcome to "</a:t>
-            </a:r>
-          </a:p>
-          <a:p>
-            <a:pPr marL="0" indent="0">
-              <a:buNone/>
-            </a:pPr>
-            <a:r>
-              <a:rPr lang="en-US" dirty="0"/>
-              <a:t> </a:t>
-            </a:r>
-          </a:p>
-          <a:p>
-            <a:pPr marL="0" indent="0">
-              <a:buNone/>
-            </a:pPr>
-            <a:r>
-              <a:rPr lang="en-US" dirty="0"/>
-              <a:t>    # Return concatenation of </a:t>
+            <a:br>
+              <a:rPr lang="en-US" dirty="0"/>
+            </a:br>
+            <a:r>
+              <a:rPr lang="en-US" dirty="0"/>
+              <a:t>    </a:t>
             </a:r>
             <a:r>
               <a:rPr lang="en-US" dirty="0" err="1"/>
-              <a:t>addWelcome</a:t>
-            </a:r>
-            <a:r>
-              <a:rPr lang="en-US" dirty="0"/>
-              <a:t>()</a:t>
-            </a:r>
-          </a:p>
-          <a:p>
-            <a:pPr marL="0" indent="0">
-              <a:buNone/>
-            </a:pPr>
-            <a:r>
-              <a:rPr lang="en-US" dirty="0"/>
-              <a:t>    # and str.</a:t>
-            </a:r>
-          </a:p>
-          <a:p>
-            <a:pPr marL="0" indent="0">
-              <a:buNone/>
-            </a:pPr>
-            <a:r>
-              <a:rPr lang="en-US" dirty="0"/>
-              <a:t>    return  </a:t>
+              <a:t>num_list</a:t>
+            </a:r>
+            <a:r>
+              <a:rPr lang="en-US" dirty="0"/>
+              <a:t> = []</a:t>
+            </a:r>
+            <a:br>
+              <a:rPr lang="en-US" dirty="0"/>
+            </a:br>
+            <a:r>
+              <a:rPr lang="en-US" dirty="0"/>
+              <a:t>    for num in (range(0, 10000)):</a:t>
+            </a:r>
+            <a:br>
+              <a:rPr lang="en-US" dirty="0"/>
+            </a:br>
+            <a:r>
+              <a:rPr lang="en-US" dirty="0"/>
+              <a:t>        </a:t>
             </a:r>
             <a:r>
               <a:rPr lang="en-US" dirty="0" err="1"/>
-              <a:t>addWelcome</a:t>
-            </a:r>
-            <a:r>
-              <a:rPr lang="en-US" dirty="0"/>
-              <a:t>() + </a:t>
+              <a:t>num_list.append</a:t>
+            </a:r>
+            <a:r>
+              <a:rPr lang="en-US" dirty="0"/>
+              <a:t>(num)</a:t>
+            </a:r>
+            <a:br>
+              <a:rPr lang="en-US" dirty="0"/>
+            </a:br>
+            <a:r>
+              <a:rPr lang="en-US" dirty="0"/>
+              <a:t>    print("\</a:t>
+            </a:r>
+            <a:r>
+              <a:rPr lang="en-US" dirty="0" err="1"/>
+              <a:t>nSum</a:t>
+            </a:r>
+            <a:r>
+              <a:rPr lang="en-US" dirty="0"/>
+              <a:t> of all the numbers: " + </a:t>
             </a:r>
             <a:r>
               <a:rPr lang="en-US" dirty="0" err="1"/>
               <a:t>str</a:t>
             </a:r>
-            <a:endParaRPr lang="en-US" dirty="0"/>
-          </a:p>
-          <a:p>
-            <a:pPr marL="0" indent="0">
-              <a:buNone/>
-            </a:pPr>
-            <a:r>
-              <a:rPr lang="en-US" dirty="0"/>
-              <a:t> </a:t>
-            </a:r>
-          </a:p>
-          <a:p>
-            <a:pPr marL="0" indent="0">
-              <a:buNone/>
-            </a:pPr>
-            <a:r>
-              <a:rPr lang="en-US" dirty="0"/>
-              <a:t># To get site name to which welcome is added</a:t>
-            </a:r>
-          </a:p>
-          <a:p>
-            <a:pPr marL="0" indent="0">
-              <a:buNone/>
-            </a:pPr>
-            <a:r>
-              <a:rPr lang="en-US" dirty="0"/>
-              <a:t>def site(</a:t>
+            <a:r>
+              <a:rPr lang="en-US" dirty="0"/>
+              <a:t>((sum(</a:t>
             </a:r>
             <a:r>
               <a:rPr lang="en-US" dirty="0" err="1"/>
-              <a:t>site_name</a:t>
-            </a:r>
-            <a:r>
-              <a:rPr lang="en-US" dirty="0"/>
-              <a:t>):</a:t>
-            </a:r>
-          </a:p>
-          <a:p>
-            <a:pPr marL="0" indent="0">
-              <a:buNone/>
-            </a:pPr>
-            <a:r>
-              <a:rPr lang="en-US" dirty="0"/>
-              <a:t>    return </a:t>
+              <a:t>num_list</a:t>
+            </a:r>
+            <a:r>
+              <a:rPr lang="en-US" dirty="0"/>
+              <a:t>))))</a:t>
+            </a:r>
+            <a:br>
+              <a:rPr lang="en-US" dirty="0"/>
+            </a:br>
+            <a:r>
+              <a:rPr lang="en-US" dirty="0"/>
+              <a:t/>
+            </a:r>
+            <a:br>
+              <a:rPr lang="en-US" dirty="0"/>
+            </a:br>
+            <a:r>
+              <a:rPr lang="en-US" dirty="0"/>
+              <a:t/>
+            </a:r>
+            <a:br>
+              <a:rPr lang="en-US" dirty="0"/>
+            </a:br>
+            <a:r>
+              <a:rPr lang="en-US" dirty="0"/>
+              <a:t>print(</a:t>
             </a:r>
             <a:r>
               <a:rPr lang="en-US" dirty="0" err="1"/>
-              <a:t>site_name</a:t>
-            </a:r>
-            <a:endParaRPr lang="en-US" dirty="0"/>
-          </a:p>
-          <a:p>
-            <a:pPr marL="0" indent="0">
-              <a:buNone/>
-            </a:pPr>
-            <a:r>
-              <a:rPr lang="en-US" dirty="0"/>
-              <a:t> </a:t>
-            </a:r>
-          </a:p>
-          <a:p>
-            <a:pPr marL="0" indent="0">
-              <a:buNone/>
-            </a:pPr>
-            <a:r>
-              <a:rPr lang="en-US" dirty="0"/>
-              <a:t>print </a:t>
-            </a:r>
-            <a:r>
-              <a:rPr lang="en-US" dirty="0" err="1"/>
-              <a:t>messageWithWelcome</a:t>
-            </a:r>
-            <a:r>
-              <a:rPr lang="en-US" dirty="0"/>
-              <a:t>(site(“Google.com"))</a:t>
-            </a:r>
-          </a:p>
-          <a:p>
-            <a:endParaRPr lang="en-US" dirty="0"/>
+              <a:t>my_function</a:t>
+            </a:r>
+            <a:r>
+              <a:rPr lang="en-US" dirty="0"/>
+              <a:t>())</a:t>
+            </a:r>
           </a:p>
         </p:txBody>
       </p:sp>
@@ -6470,7 +7446,7 @@
         <p:spPr>
           <a:xfrm>
             <a:off x="838200" y="365125"/>
-            <a:ext cx="10515600" cy="1071789"/>
+            <a:ext cx="10515600" cy="847449"/>
           </a:xfrm>
         </p:spPr>
         <p:txBody>
@@ -6479,7 +7455,7 @@
           <a:p>
             <a:r>
               <a:rPr lang="en-US" dirty="0"/>
-              <a:t>Decorator –Real World Example</a:t>
+              <a:t>Decorators - Example</a:t>
             </a:r>
           </a:p>
         </p:txBody>
@@ -6496,8 +7472,8 @@
         </p:nvSpPr>
         <p:spPr>
           <a:xfrm>
-            <a:off x="838200" y="1528354"/>
-            <a:ext cx="10515600" cy="4648609"/>
+            <a:off x="838200" y="1449977"/>
+            <a:ext cx="10515600" cy="4726986"/>
           </a:xfrm>
         </p:spPr>
         <p:txBody>
@@ -6506,139 +7482,20 @@
           </a:bodyPr>
           <a:lstStyle/>
           <a:p>
-            <a:r>
-              <a:rPr lang="en-US" dirty="0"/>
-              <a:t>import time</a:t>
-            </a:r>
-            <a:br>
-              <a:rPr lang="en-US" dirty="0"/>
-            </a:br>
-            <a:br>
-              <a:rPr lang="en-US" dirty="0"/>
-            </a:br>
-            <a:br>
-              <a:rPr lang="en-US" dirty="0"/>
-            </a:br>
+            <a:pPr marL="0" indent="0">
+              <a:buNone/>
+            </a:pPr>
             <a:r>
               <a:rPr lang="en-US" dirty="0"/>
               <a:t>def </a:t>
             </a:r>
             <a:r>
               <a:rPr lang="en-US" dirty="0" err="1"/>
-              <a:t>timing_function</a:t>
+              <a:t>messageWithWelcome</a:t>
             </a:r>
             <a:r>
               <a:rPr lang="en-US" dirty="0"/>
               <a:t>(</a:t>
-            </a:r>
-            <a:r>
-              <a:rPr lang="en-US" dirty="0" err="1"/>
-              <a:t>some_function</a:t>
-            </a:r>
-            <a:r>
-              <a:rPr lang="en-US" dirty="0"/>
-              <a:t>):</a:t>
-            </a:r>
-            <a:br>
-              <a:rPr lang="en-US" dirty="0"/>
-            </a:br>
-            <a:br>
-              <a:rPr lang="en-US" dirty="0"/>
-            </a:br>
-            <a:r>
-              <a:rPr lang="en-US" dirty="0"/>
-              <a:t>    </a:t>
-            </a:r>
-            <a:r>
-              <a:rPr lang="en-US" i="1" dirty="0"/>
-              <a:t>"""</a:t>
-            </a:r>
-            <a:br>
-              <a:rPr lang="en-US" i="1" dirty="0"/>
-            </a:br>
-            <a:r>
-              <a:rPr lang="en-US" i="1" dirty="0"/>
-              <a:t>    Outputs the time a function takes</a:t>
-            </a:r>
-            <a:br>
-              <a:rPr lang="en-US" i="1" dirty="0"/>
-            </a:br>
-            <a:r>
-              <a:rPr lang="en-US" i="1" dirty="0"/>
-              <a:t>    to execute.</a:t>
-            </a:r>
-            <a:br>
-              <a:rPr lang="en-US" i="1" dirty="0"/>
-            </a:br>
-            <a:r>
-              <a:rPr lang="en-US" i="1" dirty="0"/>
-              <a:t>    """</a:t>
-            </a:r>
-            <a:br>
-              <a:rPr lang="en-US" i="1" dirty="0"/>
-            </a:br>
-            <a:br>
-              <a:rPr lang="en-US" i="1" dirty="0"/>
-            </a:br>
-            <a:r>
-              <a:rPr lang="en-US" i="1" dirty="0"/>
-              <a:t>    </a:t>
-            </a:r>
-            <a:r>
-              <a:rPr lang="en-US" dirty="0"/>
-              <a:t>def wrapper():</a:t>
-            </a:r>
-            <a:br>
-              <a:rPr lang="en-US" dirty="0"/>
-            </a:br>
-            <a:r>
-              <a:rPr lang="en-US" dirty="0"/>
-              <a:t>        t1 = </a:t>
-            </a:r>
-            <a:r>
-              <a:rPr lang="en-US" dirty="0" err="1"/>
-              <a:t>time.time</a:t>
-            </a:r>
-            <a:r>
-              <a:rPr lang="en-US" dirty="0"/>
-              <a:t>()</a:t>
-            </a:r>
-            <a:br>
-              <a:rPr lang="en-US" dirty="0"/>
-            </a:br>
-            <a:r>
-              <a:rPr lang="en-US" dirty="0"/>
-              <a:t>        </a:t>
-            </a:r>
-            <a:r>
-              <a:rPr lang="en-US" dirty="0" err="1"/>
-              <a:t>some_function</a:t>
-            </a:r>
-            <a:r>
-              <a:rPr lang="en-US" dirty="0"/>
-              <a:t>()</a:t>
-            </a:r>
-            <a:br>
-              <a:rPr lang="en-US" dirty="0"/>
-            </a:br>
-            <a:r>
-              <a:rPr lang="en-US" dirty="0"/>
-              <a:t>        t2 = </a:t>
-            </a:r>
-            <a:r>
-              <a:rPr lang="en-US" dirty="0" err="1"/>
-              <a:t>time.time</a:t>
-            </a:r>
-            <a:r>
-              <a:rPr lang="en-US" dirty="0"/>
-              <a:t>()</a:t>
-            </a:r>
-            <a:br>
-              <a:rPr lang="en-US" dirty="0"/>
-            </a:br>
-            <a:r>
-              <a:rPr lang="en-US" dirty="0"/>
-              <a:t>        return "Time it took to run the function: " + </a:t>
             </a:r>
             <a:r>
               <a:rPr lang="en-US" dirty="0" err="1"/>
@@ -6646,136 +7503,187 @@
             </a:r>
             <a:r>
               <a:rPr lang="en-US" dirty="0"/>
-              <a:t>((t2 - t1)) + "\n"</a:t>
-            </a:r>
-            <a:br>
-              <a:rPr lang="en-US" dirty="0"/>
-            </a:br>
-            <a:r>
-              <a:rPr lang="en-US" dirty="0"/>
-              <a:t>    return wrapper</a:t>
-            </a:r>
-            <a:br>
-              <a:rPr lang="en-US" dirty="0"/>
-            </a:br>
-            <a:br>
-              <a:rPr lang="en-US" dirty="0"/>
-            </a:br>
-            <a:br>
-              <a:rPr lang="en-US" dirty="0"/>
-            </a:br>
-            <a:r>
-              <a:rPr lang="en-US" dirty="0"/>
-              <a:t>@</a:t>
+              <a:t>):</a:t>
+            </a:r>
+          </a:p>
+          <a:p>
+            <a:pPr marL="0" indent="0">
+              <a:buNone/>
+            </a:pPr>
+            <a:r>
+              <a:rPr lang="en-US" dirty="0"/>
+              <a:t> </a:t>
+            </a:r>
+          </a:p>
+          <a:p>
+            <a:pPr marL="0" indent="0">
+              <a:buNone/>
+            </a:pPr>
+            <a:r>
+              <a:rPr lang="en-US" dirty="0"/>
+              <a:t>    # Nested function</a:t>
+            </a:r>
+          </a:p>
+          <a:p>
+            <a:pPr marL="0" indent="0">
+              <a:buNone/>
+            </a:pPr>
+            <a:r>
+              <a:rPr lang="en-US" dirty="0"/>
+              <a:t>    def </a:t>
             </a:r>
             <a:r>
               <a:rPr lang="en-US" dirty="0" err="1"/>
-              <a:t>timing_function</a:t>
-            </a:r>
-            <a:br>
-              <a:rPr lang="en-US" dirty="0"/>
-            </a:br>
-            <a:r>
-              <a:rPr lang="en-US" dirty="0"/>
-              <a:t>def </a:t>
+              <a:t>addWelcome</a:t>
+            </a:r>
+            <a:r>
+              <a:rPr lang="en-US" dirty="0"/>
+              <a:t>():</a:t>
+            </a:r>
+          </a:p>
+          <a:p>
+            <a:pPr marL="0" indent="0">
+              <a:buNone/>
+            </a:pPr>
+            <a:r>
+              <a:rPr lang="en-US" dirty="0"/>
+              <a:t>        return "Welcome to "</a:t>
+            </a:r>
+          </a:p>
+          <a:p>
+            <a:pPr marL="0" indent="0">
+              <a:buNone/>
+            </a:pPr>
+            <a:r>
+              <a:rPr lang="en-US" dirty="0"/>
+              <a:t> </a:t>
+            </a:r>
+          </a:p>
+          <a:p>
+            <a:pPr marL="0" indent="0">
+              <a:buNone/>
+            </a:pPr>
+            <a:r>
+              <a:rPr lang="en-US" dirty="0"/>
+              <a:t>    # Return concatenation of </a:t>
             </a:r>
             <a:r>
               <a:rPr lang="en-US" dirty="0" err="1"/>
-              <a:t>my_function</a:t>
-            </a:r>
-            <a:r>
-              <a:rPr lang="en-US" dirty="0"/>
-              <a:t>():</a:t>
-            </a:r>
-            <a:br>
-              <a:rPr lang="en-US" dirty="0"/>
-            </a:br>
-            <a:r>
-              <a:rPr lang="en-US" dirty="0"/>
-              <a:t>    </a:t>
+              <a:t>addWelcome</a:t>
+            </a:r>
+            <a:r>
+              <a:rPr lang="en-US" dirty="0"/>
+              <a:t>()</a:t>
+            </a:r>
+          </a:p>
+          <a:p>
+            <a:pPr marL="0" indent="0">
+              <a:buNone/>
+            </a:pPr>
+            <a:r>
+              <a:rPr lang="en-US" dirty="0"/>
+              <a:t>    # and str.</a:t>
+            </a:r>
+          </a:p>
+          <a:p>
+            <a:pPr marL="0" indent="0">
+              <a:buNone/>
+            </a:pPr>
+            <a:r>
+              <a:rPr lang="en-US" dirty="0"/>
+              <a:t>    return  </a:t>
             </a:r>
             <a:r>
               <a:rPr lang="en-US" dirty="0" err="1"/>
-              <a:t>num_list</a:t>
-            </a:r>
-            <a:r>
-              <a:rPr lang="en-US" dirty="0"/>
-              <a:t> = []</a:t>
-            </a:r>
-            <a:br>
-              <a:rPr lang="en-US" dirty="0"/>
-            </a:br>
-            <a:r>
-              <a:rPr lang="en-US" dirty="0"/>
-              <a:t>    for num in (range(0, 10000)):</a:t>
-            </a:r>
-            <a:br>
-              <a:rPr lang="en-US" dirty="0"/>
-            </a:br>
-            <a:r>
-              <a:rPr lang="en-US" dirty="0"/>
-              <a:t>        </a:t>
-            </a:r>
-            <a:r>
-              <a:rPr lang="en-US" dirty="0" err="1"/>
-              <a:t>num_list.append</a:t>
-            </a:r>
-            <a:r>
-              <a:rPr lang="en-US" dirty="0"/>
-              <a:t>(num)</a:t>
-            </a:r>
-            <a:br>
-              <a:rPr lang="en-US" dirty="0"/>
-            </a:br>
-            <a:r>
-              <a:rPr lang="en-US" dirty="0"/>
-              <a:t>    print("\</a:t>
-            </a:r>
-            <a:r>
-              <a:rPr lang="en-US" dirty="0" err="1"/>
-              <a:t>nSum</a:t>
-            </a:r>
-            <a:r>
-              <a:rPr lang="en-US" dirty="0"/>
-              <a:t> of all the numbers: " + </a:t>
+              <a:t>addWelcome</a:t>
+            </a:r>
+            <a:r>
+              <a:rPr lang="en-US" dirty="0"/>
+              <a:t>() + </a:t>
             </a:r>
             <a:r>
               <a:rPr lang="en-US" dirty="0" err="1"/>
               <a:t>str</a:t>
             </a:r>
-            <a:r>
-              <a:rPr lang="en-US" dirty="0"/>
-              <a:t>((sum(</a:t>
+            <a:endParaRPr lang="en-US" dirty="0"/>
+          </a:p>
+          <a:p>
+            <a:pPr marL="0" indent="0">
+              <a:buNone/>
+            </a:pPr>
+            <a:r>
+              <a:rPr lang="en-US" dirty="0"/>
+              <a:t> </a:t>
+            </a:r>
+          </a:p>
+          <a:p>
+            <a:pPr marL="0" indent="0">
+              <a:buNone/>
+            </a:pPr>
+            <a:r>
+              <a:rPr lang="en-US" dirty="0"/>
+              <a:t># To get site name to which welcome is added</a:t>
+            </a:r>
+          </a:p>
+          <a:p>
+            <a:pPr marL="0" indent="0">
+              <a:buNone/>
+            </a:pPr>
+            <a:r>
+              <a:rPr lang="en-US" dirty="0"/>
+              <a:t>def site(</a:t>
             </a:r>
             <a:r>
               <a:rPr lang="en-US" dirty="0" err="1"/>
-              <a:t>num_list</a:t>
-            </a:r>
-            <a:r>
-              <a:rPr lang="en-US" dirty="0"/>
-              <a:t>))))</a:t>
-            </a:r>
-            <a:br>
-              <a:rPr lang="en-US" dirty="0"/>
-            </a:br>
-            <a:br>
-              <a:rPr lang="en-US" dirty="0"/>
-            </a:br>
-            <a:br>
-              <a:rPr lang="en-US" dirty="0"/>
-            </a:br>
-            <a:r>
-              <a:rPr lang="en-US" dirty="0"/>
-              <a:t>print(</a:t>
+              <a:t>site_name</a:t>
+            </a:r>
+            <a:r>
+              <a:rPr lang="en-US" dirty="0"/>
+              <a:t>):</a:t>
+            </a:r>
+          </a:p>
+          <a:p>
+            <a:pPr marL="0" indent="0">
+              <a:buNone/>
+            </a:pPr>
+            <a:r>
+              <a:rPr lang="en-US" dirty="0"/>
+              <a:t>    return </a:t>
             </a:r>
             <a:r>
               <a:rPr lang="en-US" dirty="0" err="1"/>
-              <a:t>my_function</a:t>
-            </a:r>
-            <a:r>
-              <a:rPr lang="en-US" dirty="0"/>
-              <a:t>())</a:t>
-            </a:r>
+              <a:t>site_name</a:t>
+            </a:r>
+            <a:endParaRPr lang="en-US" dirty="0"/>
+          </a:p>
+          <a:p>
+            <a:pPr marL="0" indent="0">
+              <a:buNone/>
+            </a:pPr>
+            <a:r>
+              <a:rPr lang="en-US" dirty="0"/>
+              <a:t> </a:t>
+            </a:r>
+          </a:p>
+          <a:p>
+            <a:pPr marL="0" indent="0">
+              <a:buNone/>
+            </a:pPr>
+            <a:r>
+              <a:rPr lang="en-US" dirty="0"/>
+              <a:t>print </a:t>
+            </a:r>
+            <a:r>
+              <a:rPr lang="en-US" dirty="0" err="1"/>
+              <a:t>messageWithWelcome</a:t>
+            </a:r>
+            <a:r>
+              <a:rPr lang="en-US" dirty="0"/>
+              <a:t>(site(“Google.com"))</a:t>
+            </a:r>
+          </a:p>
+          <a:p>
+            <a:endParaRPr lang="en-US" dirty="0"/>
           </a:p>
         </p:txBody>
       </p:sp>
@@ -7076,7 +7984,7 @@
   <a:extraClrSchemeLst/>
   <a:extLst>
     <a:ext uri="{05A4C25C-085E-4340-85A3-A5531E510DB2}">
-      <thm15:themeFamily xmlns:thm15="http://schemas.microsoft.com/office/thememl/2012/main" name="Office Theme" id="{62F939B6-93AF-4DB8-9C6B-D6C7DFDC589F}" vid="{4A3C46E8-61CC-4603-A589-7422A47A8E4A}"/>
+      <thm15:themeFamily xmlns:thm15="http://schemas.microsoft.com/office/thememl/2012/main" xmlns="" name="Office Theme" id="{62F939B6-93AF-4DB8-9C6B-D6C7DFDC589F}" vid="{4A3C46E8-61CC-4603-A589-7422A47A8E4A}"/>
     </a:ext>
   </a:extLst>
 </a:theme>
@@ -7371,7 +8279,7 @@
   <a:extraClrSchemeLst/>
   <a:extLst>
     <a:ext uri="{05A4C25C-085E-4340-85A3-A5531E510DB2}">
-      <thm15:themeFamily xmlns:thm15="http://schemas.microsoft.com/office/thememl/2012/main" name="Office Theme" id="{62F939B6-93AF-4DB8-9C6B-D6C7DFDC589F}" vid="{4A3C46E8-61CC-4603-A589-7422A47A8E4A}"/>
+      <thm15:themeFamily xmlns:thm15="http://schemas.microsoft.com/office/thememl/2012/main" xmlns="" name="Office Theme" id="{62F939B6-93AF-4DB8-9C6B-D6C7DFDC589F}" vid="{4A3C46E8-61CC-4603-A589-7422A47A8E4A}"/>
     </a:ext>
   </a:extLst>
 </a:theme>
